--- a/restaurent_analysis.pptx
+++ b/restaurent_analysis.pptx
@@ -5,7 +5,7 @@
     <p:sldMasterId id="2147483648" r:id="rId1"/>
   </p:sldMasterIdLst>
   <p:notesMasterIdLst>
-    <p:notesMasterId r:id="rId14"/>
+    <p:notesMasterId r:id="rId16"/>
   </p:notesMasterIdLst>
   <p:sldIdLst>
     <p:sldId id="256" r:id="rId2"/>
@@ -20,6 +20,8 @@
     <p:sldId id="265" r:id="rId11"/>
     <p:sldId id="266" r:id="rId12"/>
     <p:sldId id="267" r:id="rId13"/>
+    <p:sldId id="268" r:id="rId14"/>
+    <p:sldId id="269" r:id="rId15"/>
   </p:sldIdLst>
   <p:sldSz cx="12192000" cy="6858000"/>
   <p:notesSz cx="6858000" cy="9144000"/>
@@ -118,7 +120,16 @@
       </a:defRPr>
     </a:lvl9pPr>
   </p:defaultTextStyle>
+  <p:extLst>
+    <p:ext uri="{EFAFB233-063F-42B5-8137-9DF3F51BA10A}">
+      <p15:sldGuideLst xmlns:p15="http://schemas.microsoft.com/office/powerpoint/2012/main"/>
+    </p:ext>
+  </p:extLst>
 </p:presentation>
+</file>
+
+<file path=ppt/revisionInfo.xml><?xml version="1.0" encoding="utf-8"?>
+<p1510:revInfo xmlns:a="http://schemas.openxmlformats.org/drawingml/2006/main" xmlns:r="http://schemas.openxmlformats.org/officeDocument/2006/relationships" xmlns:p1510="http://schemas.microsoft.com/office/powerpoint/2015/10/main"/>
 </file>
 
 <file path=ppt/notesMasters/notesMaster1.xml><?xml version="1.0" encoding="utf-8"?>
@@ -655,6 +666,98 @@
     <p:extLst>
       <p:ext uri="{BB962C8B-B14F-4D97-AF65-F5344CB8AC3E}">
         <p14:creationId xmlns:p14="http://schemas.microsoft.com/office/powerpoint/2010/main" val="1510999333"/>
+      </p:ext>
+    </p:extLst>
+  </p:cSld>
+  <p:clrMapOvr>
+    <a:masterClrMapping/>
+  </p:clrMapOvr>
+</p:notes>
+</file>
+
+<file path=ppt/notesSlides/notesSlide3.xml><?xml version="1.0" encoding="utf-8"?>
+<p:notes xmlns:a="http://schemas.openxmlformats.org/drawingml/2006/main" xmlns:r="http://schemas.openxmlformats.org/officeDocument/2006/relationships" xmlns:p="http://schemas.openxmlformats.org/presentationml/2006/main">
+  <p:cSld>
+    <p:spTree>
+      <p:nvGrpSpPr>
+        <p:cNvPr id="1" name=""/>
+        <p:cNvGrpSpPr/>
+        <p:nvPr/>
+      </p:nvGrpSpPr>
+      <p:grpSpPr>
+        <a:xfrm>
+          <a:off x="0" y="0"/>
+          <a:ext cx="0" cy="0"/>
+          <a:chOff x="0" y="0"/>
+          <a:chExt cx="0" cy="0"/>
+        </a:xfrm>
+      </p:grpSpPr>
+      <p:sp>
+        <p:nvSpPr>
+          <p:cNvPr id="2" name="슬라이드 이미지 개체 틀 1"/>
+          <p:cNvSpPr>
+            <a:spLocks noGrp="1" noRot="1" noChangeAspect="1"/>
+          </p:cNvSpPr>
+          <p:nvPr>
+            <p:ph type="sldImg"/>
+          </p:nvPr>
+        </p:nvSpPr>
+        <p:spPr/>
+      </p:sp>
+      <p:sp>
+        <p:nvSpPr>
+          <p:cNvPr id="3" name="슬라이드 노트 개체 틀 2"/>
+          <p:cNvSpPr>
+            <a:spLocks noGrp="1"/>
+          </p:cNvSpPr>
+          <p:nvPr>
+            <p:ph type="body" idx="1"/>
+          </p:nvPr>
+        </p:nvSpPr>
+        <p:spPr/>
+        <p:txBody>
+          <a:bodyPr/>
+          <a:lstStyle/>
+          <a:p>
+            <a:r>
+              <a:rPr lang="en-US" altLang="ko-KR" dirty="0"/>
+              <a:t>.</a:t>
+            </a:r>
+            <a:r>
+              <a:rPr lang="en-US" altLang="ko-KR" dirty="0" err="1"/>
+              <a:t>numHelp</a:t>
+            </a:r>
+            <a:endParaRPr lang="ko-KR" altLang="en-US" dirty="0"/>
+          </a:p>
+        </p:txBody>
+      </p:sp>
+      <p:sp>
+        <p:nvSpPr>
+          <p:cNvPr id="4" name="슬라이드 번호 개체 틀 3"/>
+          <p:cNvSpPr>
+            <a:spLocks noGrp="1"/>
+          </p:cNvSpPr>
+          <p:nvPr>
+            <p:ph type="sldNum" sz="quarter" idx="10"/>
+          </p:nvPr>
+        </p:nvSpPr>
+        <p:spPr/>
+        <p:txBody>
+          <a:bodyPr/>
+          <a:lstStyle/>
+          <a:p>
+            <a:fld id="{C9CC7F5A-F37A-4A84-9AB0-C159C49D2359}" type="slidenum">
+              <a:rPr lang="ko-KR" altLang="en-US" smtClean="0"/>
+              <a:t>13</a:t>
+            </a:fld>
+            <a:endParaRPr lang="ko-KR" altLang="en-US"/>
+          </a:p>
+        </p:txBody>
+      </p:sp>
+    </p:spTree>
+    <p:extLst>
+      <p:ext uri="{BB962C8B-B14F-4D97-AF65-F5344CB8AC3E}">
+        <p14:creationId xmlns:p14="http://schemas.microsoft.com/office/powerpoint/2010/main" val="1850000778"/>
       </p:ext>
     </p:extLst>
   </p:cSld>
@@ -4127,6 +4230,186 @@
     <p:extLst>
       <p:ext uri="{BB962C8B-B14F-4D97-AF65-F5344CB8AC3E}">
         <p14:creationId xmlns:p14="http://schemas.microsoft.com/office/powerpoint/2010/main" val="213941817"/>
+      </p:ext>
+    </p:extLst>
+  </p:cSld>
+  <p:clrMapOvr>
+    <a:masterClrMapping/>
+  </p:clrMapOvr>
+</p:sld>
+</file>
+
+<file path=ppt/slides/slide13.xml><?xml version="1.0" encoding="utf-8"?>
+<p:sld xmlns:a="http://schemas.openxmlformats.org/drawingml/2006/main" xmlns:r="http://schemas.openxmlformats.org/officeDocument/2006/relationships" xmlns:p="http://schemas.openxmlformats.org/presentationml/2006/main">
+  <p:cSld>
+    <p:spTree>
+      <p:nvGrpSpPr>
+        <p:cNvPr id="1" name=""/>
+        <p:cNvGrpSpPr/>
+        <p:nvPr/>
+      </p:nvGrpSpPr>
+      <p:grpSpPr>
+        <a:xfrm>
+          <a:off x="0" y="0"/>
+          <a:ext cx="0" cy="0"/>
+          <a:chOff x="0" y="0"/>
+          <a:chExt cx="0" cy="0"/>
+        </a:xfrm>
+      </p:grpSpPr>
+      <p:pic>
+        <p:nvPicPr>
+          <p:cNvPr id="2" name="그림 1">
+            <a:extLst>
+              <a:ext uri="{FF2B5EF4-FFF2-40B4-BE49-F238E27FC236}">
+                <a16:creationId xmlns:a16="http://schemas.microsoft.com/office/drawing/2014/main" id="{2F00E52F-8A95-4A10-A7B6-0E386B348592}"/>
+              </a:ext>
+            </a:extLst>
+          </p:cNvPr>
+          <p:cNvPicPr>
+            <a:picLocks noChangeAspect="1"/>
+          </p:cNvPicPr>
+          <p:nvPr/>
+        </p:nvPicPr>
+        <p:blipFill>
+          <a:blip r:embed="rId3"/>
+          <a:stretch>
+            <a:fillRect/>
+          </a:stretch>
+        </p:blipFill>
+        <p:spPr>
+          <a:xfrm>
+            <a:off x="7776754" y="790925"/>
+            <a:ext cx="3817429" cy="2844902"/>
+          </a:xfrm>
+          <a:prstGeom prst="rect">
+            <a:avLst/>
+          </a:prstGeom>
+        </p:spPr>
+      </p:pic>
+      <p:pic>
+        <p:nvPicPr>
+          <p:cNvPr id="3" name="그림 2">
+            <a:extLst>
+              <a:ext uri="{FF2B5EF4-FFF2-40B4-BE49-F238E27FC236}">
+                <a16:creationId xmlns:a16="http://schemas.microsoft.com/office/drawing/2014/main" id="{EDA434C1-2E1D-426F-B41B-9251FB9EF5C9}"/>
+              </a:ext>
+            </a:extLst>
+          </p:cNvPr>
+          <p:cNvPicPr>
+            <a:picLocks noChangeAspect="1"/>
+          </p:cNvPicPr>
+          <p:nvPr/>
+        </p:nvPicPr>
+        <p:blipFill>
+          <a:blip r:embed="rId4"/>
+          <a:stretch>
+            <a:fillRect/>
+          </a:stretch>
+        </p:blipFill>
+        <p:spPr>
+          <a:xfrm>
+            <a:off x="962161" y="3962535"/>
+            <a:ext cx="10163175" cy="2486025"/>
+          </a:xfrm>
+          <a:prstGeom prst="rect">
+            <a:avLst/>
+          </a:prstGeom>
+        </p:spPr>
+      </p:pic>
+    </p:spTree>
+    <p:extLst>
+      <p:ext uri="{BB962C8B-B14F-4D97-AF65-F5344CB8AC3E}">
+        <p14:creationId xmlns:p14="http://schemas.microsoft.com/office/powerpoint/2010/main" val="1738461906"/>
+      </p:ext>
+    </p:extLst>
+  </p:cSld>
+  <p:clrMapOvr>
+    <a:masterClrMapping/>
+  </p:clrMapOvr>
+</p:sld>
+</file>
+
+<file path=ppt/slides/slide14.xml><?xml version="1.0" encoding="utf-8"?>
+<p:sld xmlns:a="http://schemas.openxmlformats.org/drawingml/2006/main" xmlns:r="http://schemas.openxmlformats.org/officeDocument/2006/relationships" xmlns:p="http://schemas.openxmlformats.org/presentationml/2006/main">
+  <p:cSld>
+    <p:spTree>
+      <p:nvGrpSpPr>
+        <p:cNvPr id="1" name=""/>
+        <p:cNvGrpSpPr/>
+        <p:nvPr/>
+      </p:nvGrpSpPr>
+      <p:grpSpPr>
+        <a:xfrm>
+          <a:off x="0" y="0"/>
+          <a:ext cx="0" cy="0"/>
+          <a:chOff x="0" y="0"/>
+          <a:chExt cx="0" cy="0"/>
+        </a:xfrm>
+      </p:grpSpPr>
+      <p:pic>
+        <p:nvPicPr>
+          <p:cNvPr id="2" name="그림 1">
+            <a:extLst>
+              <a:ext uri="{FF2B5EF4-FFF2-40B4-BE49-F238E27FC236}">
+                <a16:creationId xmlns:a16="http://schemas.microsoft.com/office/drawing/2014/main" id="{697A1DC8-DDD9-4A18-BDBC-81C4B800B52F}"/>
+              </a:ext>
+            </a:extLst>
+          </p:cNvPr>
+          <p:cNvPicPr>
+            <a:picLocks noChangeAspect="1"/>
+          </p:cNvPicPr>
+          <p:nvPr/>
+        </p:nvPicPr>
+        <p:blipFill>
+          <a:blip r:embed="rId2"/>
+          <a:stretch>
+            <a:fillRect/>
+          </a:stretch>
+        </p:blipFill>
+        <p:spPr>
+          <a:xfrm>
+            <a:off x="1567542" y="660296"/>
+            <a:ext cx="3817429" cy="2844902"/>
+          </a:xfrm>
+          <a:prstGeom prst="rect">
+            <a:avLst/>
+          </a:prstGeom>
+        </p:spPr>
+      </p:pic>
+      <p:pic>
+        <p:nvPicPr>
+          <p:cNvPr id="3" name="그림 2">
+            <a:extLst>
+              <a:ext uri="{FF2B5EF4-FFF2-40B4-BE49-F238E27FC236}">
+                <a16:creationId xmlns:a16="http://schemas.microsoft.com/office/drawing/2014/main" id="{F4C0CE13-ECBC-464C-94C1-2D3454D12310}"/>
+              </a:ext>
+            </a:extLst>
+          </p:cNvPr>
+          <p:cNvPicPr>
+            <a:picLocks noChangeAspect="1"/>
+          </p:cNvPicPr>
+          <p:nvPr/>
+        </p:nvPicPr>
+        <p:blipFill>
+          <a:blip r:embed="rId3"/>
+          <a:stretch>
+            <a:fillRect/>
+          </a:stretch>
+        </p:blipFill>
+        <p:spPr>
+          <a:xfrm>
+            <a:off x="3202577" y="3761966"/>
+            <a:ext cx="7162800" cy="1476375"/>
+          </a:xfrm>
+          <a:prstGeom prst="rect">
+            <a:avLst/>
+          </a:prstGeom>
+        </p:spPr>
+      </p:pic>
+    </p:spTree>
+    <p:extLst>
+      <p:ext uri="{BB962C8B-B14F-4D97-AF65-F5344CB8AC3E}">
+        <p14:creationId xmlns:p14="http://schemas.microsoft.com/office/powerpoint/2010/main" val="2513140754"/>
       </p:ext>
     </p:extLst>
   </p:cSld>
